--- a/HowIEnteredADesignContestByAccident.pptx
+++ b/HowIEnteredADesignContestByAccident.pptx
@@ -264,7 +264,7 @@
           <a:p>
             <a:fld id="{3324A71A-6820-47AD-B757-5B79AA2DEE96}" type="datetimeFigureOut">
               <a:rPr lang="en-GB" smtClean="0"/>
-              <a:t>27/09/2016</a:t>
+              <a:t>13/10/2016</a:t>
             </a:fld>
             <a:endParaRPr lang="en-GB" dirty="0"/>
           </a:p>
@@ -459,7 +459,7 @@
           <a:p>
             <a:fld id="{3324A71A-6820-47AD-B757-5B79AA2DEE96}" type="datetimeFigureOut">
               <a:rPr lang="en-GB" smtClean="0"/>
-              <a:t>27/09/2016</a:t>
+              <a:t>13/10/2016</a:t>
             </a:fld>
             <a:endParaRPr lang="en-GB"/>
           </a:p>
@@ -2962,9 +2962,9 @@
         <p:grpSpPr>
           <a:xfrm>
             <a:off x="994783" y="2864414"/>
-            <a:ext cx="7105609" cy="852063"/>
+            <a:ext cx="7249625" cy="852063"/>
             <a:chOff x="994783" y="2864414"/>
-            <a:chExt cx="7105609" cy="852063"/>
+            <a:chExt cx="7249625" cy="852063"/>
           </a:xfrm>
         </p:grpSpPr>
         <p:sp>
@@ -3050,7 +3050,7 @@
           <p:spPr>
             <a:xfrm>
               <a:off x="5796136" y="2916258"/>
-              <a:ext cx="2304256" cy="800219"/>
+              <a:ext cx="2448272" cy="800219"/>
             </a:xfrm>
             <a:prstGeom prst="rect">
               <a:avLst/>
@@ -3065,7 +3065,11 @@
             <a:p>
               <a:r>
                 <a:rPr lang="en-GB" sz="2800" b="1" dirty="0" smtClean="0"/>
-                <a:t>Clem Martin</a:t>
+                <a:t>Clem </a:t>
+              </a:r>
+              <a:r>
+                <a:rPr lang="en-GB" sz="2800" b="1" dirty="0" smtClean="0"/>
+                <a:t>Martins</a:t>
               </a:r>
               <a:endParaRPr lang="en-GB" sz="2800" b="1" dirty="0"/>
             </a:p>

--- a/HowIEnteredADesignContestByAccident.pptx
+++ b/HowIEnteredADesignContestByAccident.pptx
@@ -264,7 +264,7 @@
           <a:p>
             <a:fld id="{3324A71A-6820-47AD-B757-5B79AA2DEE96}" type="datetimeFigureOut">
               <a:rPr lang="en-GB" smtClean="0"/>
-              <a:t>13/10/2016</a:t>
+              <a:t>25/10/2016</a:t>
             </a:fld>
             <a:endParaRPr lang="en-GB" dirty="0"/>
           </a:p>
@@ -459,7 +459,7 @@
           <a:p>
             <a:fld id="{3324A71A-6820-47AD-B757-5B79AA2DEE96}" type="datetimeFigureOut">
               <a:rPr lang="en-GB" smtClean="0"/>
-              <a:t>13/10/2016</a:t>
+              <a:t>25/10/2016</a:t>
             </a:fld>
             <a:endParaRPr lang="en-GB"/>
           </a:p>
@@ -3065,11 +3065,7 @@
             <a:p>
               <a:r>
                 <a:rPr lang="en-GB" sz="2800" b="1" dirty="0" smtClean="0"/>
-                <a:t>Clem </a:t>
-              </a:r>
-              <a:r>
-                <a:rPr lang="en-GB" sz="2800" b="1" dirty="0" smtClean="0"/>
-                <a:t>Martins</a:t>
+                <a:t>Clem Martins</a:t>
               </a:r>
               <a:endParaRPr lang="en-GB" sz="2800" b="1" dirty="0"/>
             </a:p>
@@ -3087,10 +3083,10 @@
         </p:nvGrpSpPr>
         <p:grpSpPr>
           <a:xfrm>
-            <a:off x="449883" y="3847751"/>
-            <a:ext cx="8329163" cy="865560"/>
-            <a:chOff x="449883" y="3847751"/>
-            <a:chExt cx="8329163" cy="865560"/>
+            <a:off x="251521" y="3847751"/>
+            <a:ext cx="8527525" cy="865560"/>
+            <a:chOff x="251521" y="3847751"/>
+            <a:chExt cx="8527525" cy="865560"/>
           </a:xfrm>
         </p:grpSpPr>
         <p:sp>
@@ -3176,8 +3172,8 @@
           </p:nvSpPr>
           <p:spPr>
             <a:xfrm>
-              <a:off x="449883" y="3913092"/>
-              <a:ext cx="1377831" cy="800219"/>
+              <a:off x="251521" y="3913092"/>
+              <a:ext cx="1576194" cy="800219"/>
             </a:xfrm>
             <a:prstGeom prst="rect">
               <a:avLst/>
@@ -3192,7 +3188,7 @@
             <a:p>
               <a:r>
                 <a:rPr lang="en-GB" sz="2800" b="1" dirty="0" smtClean="0"/>
-                <a:t>MCB1</a:t>
+                <a:t>Mark B</a:t>
               </a:r>
               <a:endParaRPr lang="en-GB" sz="2800" b="1" dirty="0"/>
             </a:p>
